--- a/doc/presentation.pptx
+++ b/doc/presentation.pptx
@@ -296,6 +296,7 @@
           <a:p>
             <a:fld id="{3D636C07-7E76-46D3-B86B-6AF7C60E533E}" type="datetimeFigureOut">
               <a:rPr lang="nl-NL" smtClean="0"/>
+              <a:pPr/>
               <a:t>16-1-2014</a:t>
             </a:fld>
             <a:endParaRPr lang="nl-NL"/>
@@ -338,6 +339,7 @@
           <a:p>
             <a:fld id="{A9096D49-DAE3-40DE-93E0-41688E0A5016}" type="slidenum">
               <a:rPr lang="nl-NL" smtClean="0"/>
+              <a:pPr/>
               <a:t>‹nr.›</a:t>
             </a:fld>
             <a:endParaRPr lang="nl-NL"/>
@@ -461,6 +463,7 @@
           <a:p>
             <a:fld id="{3D636C07-7E76-46D3-B86B-6AF7C60E533E}" type="datetimeFigureOut">
               <a:rPr lang="nl-NL" smtClean="0"/>
+              <a:pPr/>
               <a:t>16-1-2014</a:t>
             </a:fld>
             <a:endParaRPr lang="nl-NL"/>
@@ -503,6 +506,7 @@
           <a:p>
             <a:fld id="{A9096D49-DAE3-40DE-93E0-41688E0A5016}" type="slidenum">
               <a:rPr lang="nl-NL" smtClean="0"/>
+              <a:pPr/>
               <a:t>‹nr.›</a:t>
             </a:fld>
             <a:endParaRPr lang="nl-NL"/>
@@ -636,6 +640,7 @@
           <a:p>
             <a:fld id="{3D636C07-7E76-46D3-B86B-6AF7C60E533E}" type="datetimeFigureOut">
               <a:rPr lang="nl-NL" smtClean="0"/>
+              <a:pPr/>
               <a:t>16-1-2014</a:t>
             </a:fld>
             <a:endParaRPr lang="nl-NL"/>
@@ -678,6 +683,7 @@
           <a:p>
             <a:fld id="{A9096D49-DAE3-40DE-93E0-41688E0A5016}" type="slidenum">
               <a:rPr lang="nl-NL" smtClean="0"/>
+              <a:pPr/>
               <a:t>‹nr.›</a:t>
             </a:fld>
             <a:endParaRPr lang="nl-NL"/>
@@ -801,6 +807,7 @@
           <a:p>
             <a:fld id="{3D636C07-7E76-46D3-B86B-6AF7C60E533E}" type="datetimeFigureOut">
               <a:rPr lang="nl-NL" smtClean="0"/>
+              <a:pPr/>
               <a:t>16-1-2014</a:t>
             </a:fld>
             <a:endParaRPr lang="nl-NL"/>
@@ -843,6 +850,7 @@
           <a:p>
             <a:fld id="{A9096D49-DAE3-40DE-93E0-41688E0A5016}" type="slidenum">
               <a:rPr lang="nl-NL" smtClean="0"/>
+              <a:pPr/>
               <a:t>‹nr.›</a:t>
             </a:fld>
             <a:endParaRPr lang="nl-NL"/>
@@ -1042,6 +1050,7 @@
           <a:p>
             <a:fld id="{3D636C07-7E76-46D3-B86B-6AF7C60E533E}" type="datetimeFigureOut">
               <a:rPr lang="nl-NL" smtClean="0"/>
+              <a:pPr/>
               <a:t>16-1-2014</a:t>
             </a:fld>
             <a:endParaRPr lang="nl-NL"/>
@@ -1084,6 +1093,7 @@
           <a:p>
             <a:fld id="{A9096D49-DAE3-40DE-93E0-41688E0A5016}" type="slidenum">
               <a:rPr lang="nl-NL" smtClean="0"/>
+              <a:pPr/>
               <a:t>‹nr.›</a:t>
             </a:fld>
             <a:endParaRPr lang="nl-NL"/>
@@ -1325,6 +1335,7 @@
           <a:p>
             <a:fld id="{3D636C07-7E76-46D3-B86B-6AF7C60E533E}" type="datetimeFigureOut">
               <a:rPr lang="nl-NL" smtClean="0"/>
+              <a:pPr/>
               <a:t>16-1-2014</a:t>
             </a:fld>
             <a:endParaRPr lang="nl-NL"/>
@@ -1367,6 +1378,7 @@
           <a:p>
             <a:fld id="{A9096D49-DAE3-40DE-93E0-41688E0A5016}" type="slidenum">
               <a:rPr lang="nl-NL" smtClean="0"/>
+              <a:pPr/>
               <a:t>‹nr.›</a:t>
             </a:fld>
             <a:endParaRPr lang="nl-NL"/>
@@ -1742,6 +1754,7 @@
           <a:p>
             <a:fld id="{3D636C07-7E76-46D3-B86B-6AF7C60E533E}" type="datetimeFigureOut">
               <a:rPr lang="nl-NL" smtClean="0"/>
+              <a:pPr/>
               <a:t>16-1-2014</a:t>
             </a:fld>
             <a:endParaRPr lang="nl-NL"/>
@@ -1784,6 +1797,7 @@
           <a:p>
             <a:fld id="{A9096D49-DAE3-40DE-93E0-41688E0A5016}" type="slidenum">
               <a:rPr lang="nl-NL" smtClean="0"/>
+              <a:pPr/>
               <a:t>‹nr.›</a:t>
             </a:fld>
             <a:endParaRPr lang="nl-NL"/>
@@ -1855,6 +1869,7 @@
           <a:p>
             <a:fld id="{3D636C07-7E76-46D3-B86B-6AF7C60E533E}" type="datetimeFigureOut">
               <a:rPr lang="nl-NL" smtClean="0"/>
+              <a:pPr/>
               <a:t>16-1-2014</a:t>
             </a:fld>
             <a:endParaRPr lang="nl-NL"/>
@@ -1897,6 +1912,7 @@
           <a:p>
             <a:fld id="{A9096D49-DAE3-40DE-93E0-41688E0A5016}" type="slidenum">
               <a:rPr lang="nl-NL" smtClean="0"/>
+              <a:pPr/>
               <a:t>‹nr.›</a:t>
             </a:fld>
             <a:endParaRPr lang="nl-NL"/>
@@ -1945,6 +1961,7 @@
           <a:p>
             <a:fld id="{3D636C07-7E76-46D3-B86B-6AF7C60E533E}" type="datetimeFigureOut">
               <a:rPr lang="nl-NL" smtClean="0"/>
+              <a:pPr/>
               <a:t>16-1-2014</a:t>
             </a:fld>
             <a:endParaRPr lang="nl-NL"/>
@@ -1987,6 +2004,7 @@
           <a:p>
             <a:fld id="{A9096D49-DAE3-40DE-93E0-41688E0A5016}" type="slidenum">
               <a:rPr lang="nl-NL" smtClean="0"/>
+              <a:pPr/>
               <a:t>‹nr.›</a:t>
             </a:fld>
             <a:endParaRPr lang="nl-NL"/>
@@ -2217,6 +2235,7 @@
           <a:p>
             <a:fld id="{3D636C07-7E76-46D3-B86B-6AF7C60E533E}" type="datetimeFigureOut">
               <a:rPr lang="nl-NL" smtClean="0"/>
+              <a:pPr/>
               <a:t>16-1-2014</a:t>
             </a:fld>
             <a:endParaRPr lang="nl-NL"/>
@@ -2259,6 +2278,7 @@
           <a:p>
             <a:fld id="{A9096D49-DAE3-40DE-93E0-41688E0A5016}" type="slidenum">
               <a:rPr lang="nl-NL" smtClean="0"/>
+              <a:pPr/>
               <a:t>‹nr.›</a:t>
             </a:fld>
             <a:endParaRPr lang="nl-NL"/>
@@ -2465,6 +2485,7 @@
           <a:p>
             <a:fld id="{3D636C07-7E76-46D3-B86B-6AF7C60E533E}" type="datetimeFigureOut">
               <a:rPr lang="nl-NL" smtClean="0"/>
+              <a:pPr/>
               <a:t>16-1-2014</a:t>
             </a:fld>
             <a:endParaRPr lang="nl-NL"/>
@@ -2507,6 +2528,7 @@
           <a:p>
             <a:fld id="{A9096D49-DAE3-40DE-93E0-41688E0A5016}" type="slidenum">
               <a:rPr lang="nl-NL" smtClean="0"/>
+              <a:pPr/>
               <a:t>‹nr.›</a:t>
             </a:fld>
             <a:endParaRPr lang="nl-NL"/>
@@ -2673,6 +2695,7 @@
           <a:p>
             <a:fld id="{3D636C07-7E76-46D3-B86B-6AF7C60E533E}" type="datetimeFigureOut">
               <a:rPr lang="nl-NL" smtClean="0"/>
+              <a:pPr/>
               <a:t>16-1-2014</a:t>
             </a:fld>
             <a:endParaRPr lang="nl-NL"/>
@@ -2751,6 +2774,7 @@
           <a:p>
             <a:fld id="{A9096D49-DAE3-40DE-93E0-41688E0A5016}" type="slidenum">
               <a:rPr lang="nl-NL" smtClean="0"/>
+              <a:pPr/>
               <a:t>‹nr.›</a:t>
             </a:fld>
             <a:endParaRPr lang="nl-NL"/>
@@ -3032,7 +3056,7 @@
     <p:bg>
       <p:bgPr>
         <a:blipFill dpi="0" rotWithShape="1">
-          <a:blip r:embed="rId2">
+          <a:blip r:embed="rId2" cstate="print">
             <a:lum/>
           </a:blip>
           <a:srcRect/>
@@ -3158,7 +3182,7 @@
     </p:spTree>
     <p:extLst>
       <p:ext uri="{BB962C8B-B14F-4D97-AF65-F5344CB8AC3E}">
-        <p14:creationId xmlns:p14="http://schemas.microsoft.com/office/powerpoint/2010/main" val="3614976172"/>
+        <p14:creationId xmlns:p14="http://schemas.microsoft.com/office/powerpoint/2010/main" xmlns="" val="3614976172"/>
       </p:ext>
     </p:extLst>
   </p:cSld>
@@ -3181,7 +3205,7 @@
     <p:bg>
       <p:bgPr>
         <a:blipFill dpi="0" rotWithShape="1">
-          <a:blip r:embed="rId2">
+          <a:blip r:embed="rId2" cstate="print">
             <a:lum/>
           </a:blip>
           <a:srcRect/>
@@ -3276,7 +3300,7 @@
     </p:spTree>
     <p:extLst>
       <p:ext uri="{BB962C8B-B14F-4D97-AF65-F5344CB8AC3E}">
-        <p14:creationId xmlns:p14="http://schemas.microsoft.com/office/powerpoint/2010/main" val="1978889952"/>
+        <p14:creationId xmlns:p14="http://schemas.microsoft.com/office/powerpoint/2010/main" xmlns="" val="1978889952"/>
       </p:ext>
     </p:extLst>
   </p:cSld>
@@ -3299,7 +3323,7 @@
     <p:bg>
       <p:bgPr>
         <a:blipFill dpi="0" rotWithShape="1">
-          <a:blip r:embed="rId2">
+          <a:blip r:embed="rId2" cstate="print">
             <a:lum/>
           </a:blip>
           <a:srcRect/>
@@ -3473,7 +3497,7 @@
     </p:spTree>
     <p:extLst>
       <p:ext uri="{BB962C8B-B14F-4D97-AF65-F5344CB8AC3E}">
-        <p14:creationId xmlns:p14="http://schemas.microsoft.com/office/powerpoint/2010/main" val="3914615120"/>
+        <p14:creationId xmlns:p14="http://schemas.microsoft.com/office/powerpoint/2010/main" xmlns="" val="3914615120"/>
       </p:ext>
     </p:extLst>
   </p:cSld>
@@ -3496,7 +3520,7 @@
     <p:bg>
       <p:bgPr>
         <a:blipFill dpi="0" rotWithShape="1">
-          <a:blip r:embed="rId2">
+          <a:blip r:embed="rId2" cstate="print">
             <a:lum/>
           </a:blip>
           <a:srcRect/>
@@ -3567,12 +3591,6 @@
               </a:rPr>
               <a:t>2.7 TB</a:t>
             </a:r>
-            <a:endParaRPr lang="nl-NL" dirty="0" smtClean="0">
-              <a:solidFill>
-                <a:schemeClr val="bg1"/>
-              </a:solidFill>
-              <a:latin typeface="Ubuntu" panose="020B0504030602030204" pitchFamily="34" charset="0"/>
-            </a:endParaRPr>
           </a:p>
           <a:p>
             <a:pPr marL="0" indent="0" algn="ctr">
@@ -3677,7 +3695,7 @@
     </p:spTree>
     <p:extLst>
       <p:ext uri="{BB962C8B-B14F-4D97-AF65-F5344CB8AC3E}">
-        <p14:creationId xmlns:p14="http://schemas.microsoft.com/office/powerpoint/2010/main" val="3177010077"/>
+        <p14:creationId xmlns:p14="http://schemas.microsoft.com/office/powerpoint/2010/main" xmlns="" val="3177010077"/>
       </p:ext>
     </p:extLst>
   </p:cSld>
@@ -3700,7 +3718,7 @@
     <p:bg>
       <p:bgPr>
         <a:blipFill dpi="0" rotWithShape="1">
-          <a:blip r:embed="rId2">
+          <a:blip r:embed="rId2" cstate="print">
             <a:lum/>
           </a:blip>
           <a:srcRect/>
@@ -3736,6 +3754,10 @@
           </p:nvPr>
         </p:nvSpPr>
         <p:spPr>
+          <a:xfrm>
+            <a:off x="467544" y="1556792"/>
+            <a:ext cx="8229600" cy="4525963"/>
+          </a:xfrm>
           <a:effectLst>
             <a:outerShdw blurRad="50800" dist="38100" dir="2700000" algn="tl" rotWithShape="0">
               <a:prstClr val="black">
@@ -3745,7 +3767,9 @@
           </a:effectLst>
         </p:spPr>
         <p:txBody>
-          <a:bodyPr/>
+          <a:bodyPr>
+            <a:normAutofit lnSpcReduction="10000"/>
+          </a:bodyPr>
           <a:lstStyle/>
           <a:p>
             <a:pPr marL="0" indent="0" algn="ctr">
@@ -3803,31 +3827,84 @@
               <a:buNone/>
             </a:pPr>
             <a:r>
-              <a:rPr lang="nl-NL" dirty="0" smtClean="0">
+              <a:rPr lang="en-US" dirty="0" smtClean="0">
                 <a:solidFill>
                   <a:schemeClr val="bg1"/>
                 </a:solidFill>
                 <a:latin typeface="Ubuntu" panose="020B0504030602030204" pitchFamily="34" charset="0"/>
               </a:rPr>
-              <a:t>A, B </a:t>
-            </a:r>
-            <a:r>
-              <a:rPr lang="nl-NL" dirty="0" err="1" smtClean="0">
+              <a:t>1</a:t>
+            </a:r>
+            <a:r>
+              <a:rPr lang="en-US" dirty="0" smtClean="0">
                 <a:solidFill>
                   <a:schemeClr val="bg1"/>
                 </a:solidFill>
                 <a:latin typeface="Ubuntu" panose="020B0504030602030204" pitchFamily="34" charset="0"/>
               </a:rPr>
-              <a:t>and</a:t>
-            </a:r>
-            <a:r>
-              <a:rPr lang="nl-NL" dirty="0" smtClean="0">
+              <a:t>. Jeep - Dodge (420)</a:t>
+            </a:r>
+          </a:p>
+          <a:p>
+            <a:pPr marL="0" indent="0" algn="ctr">
+              <a:buNone/>
+            </a:pPr>
+            <a:r>
+              <a:rPr lang="en-US" dirty="0" smtClean="0">
                 <a:solidFill>
                   <a:schemeClr val="bg1"/>
                 </a:solidFill>
                 <a:latin typeface="Ubuntu" panose="020B0504030602030204" pitchFamily="34" charset="0"/>
               </a:rPr>
-              <a:t> C</a:t>
+              <a:t>2. Dodge - Jeep (414)</a:t>
+            </a:r>
+          </a:p>
+          <a:p>
+            <a:pPr marL="0" indent="0" algn="ctr">
+              <a:buNone/>
+            </a:pPr>
+            <a:r>
+              <a:rPr lang="en-US" dirty="0" smtClean="0">
+                <a:solidFill>
+                  <a:schemeClr val="bg1"/>
+                </a:solidFill>
+                <a:latin typeface="Ubuntu" panose="020B0504030602030204" pitchFamily="34" charset="0"/>
+              </a:rPr>
+              <a:t>3. Suzuki - Honda (337</a:t>
+            </a:r>
+            <a:r>
+              <a:rPr lang="en-US" dirty="0" smtClean="0">
+                <a:solidFill>
+                  <a:schemeClr val="bg1"/>
+                </a:solidFill>
+                <a:latin typeface="Ubuntu" panose="020B0504030602030204" pitchFamily="34" charset="0"/>
+              </a:rPr>
+              <a:t>)</a:t>
+            </a:r>
+          </a:p>
+          <a:p>
+            <a:pPr marL="0" indent="0" algn="ctr">
+              <a:buNone/>
+            </a:pPr>
+            <a:endParaRPr lang="en-US" dirty="0" smtClean="0">
+              <a:solidFill>
+                <a:schemeClr val="bg1"/>
+              </a:solidFill>
+              <a:latin typeface="Ubuntu" panose="020B0504030602030204" pitchFamily="34" charset="0"/>
+            </a:endParaRPr>
+          </a:p>
+          <a:p>
+            <a:pPr marL="0" indent="0" algn="ctr">
+              <a:buNone/>
+            </a:pPr>
+            <a:r>
+              <a:rPr lang="en-US" dirty="0" smtClean="0">
+                <a:solidFill>
+                  <a:schemeClr val="bg1"/>
+                </a:solidFill>
+                <a:latin typeface="Ubuntu" panose="020B0504030602030204" pitchFamily="34" charset="0"/>
+              </a:rPr>
+              <a:t>Total amount of references: 5656</a:t>
             </a:r>
             <a:endParaRPr lang="nl-NL" dirty="0">
               <a:solidFill>
@@ -3860,7 +3937,7 @@
     </p:spTree>
     <p:extLst>
       <p:ext uri="{BB962C8B-B14F-4D97-AF65-F5344CB8AC3E}">
-        <p14:creationId xmlns:p14="http://schemas.microsoft.com/office/powerpoint/2010/main" val="3691473542"/>
+        <p14:creationId xmlns:p14="http://schemas.microsoft.com/office/powerpoint/2010/main" xmlns="" val="3691473542"/>
       </p:ext>
     </p:extLst>
   </p:cSld>
@@ -3883,7 +3960,7 @@
     <p:bg>
       <p:bgPr>
         <a:blipFill dpi="0" rotWithShape="1">
-          <a:blip r:embed="rId2">
+          <a:blip r:embed="rId2" cstate="print">
             <a:lum/>
           </a:blip>
           <a:srcRect/>
@@ -3992,7 +4069,7 @@
     </p:spTree>
     <p:extLst>
       <p:ext uri="{BB962C8B-B14F-4D97-AF65-F5344CB8AC3E}">
-        <p14:creationId xmlns:p14="http://schemas.microsoft.com/office/powerpoint/2010/main" val="42567432"/>
+        <p14:creationId xmlns:p14="http://schemas.microsoft.com/office/powerpoint/2010/main" xmlns="" val="42567432"/>
       </p:ext>
     </p:extLst>
   </p:cSld>
@@ -4015,7 +4092,7 @@
     <p:bg>
       <p:bgPr>
         <a:blipFill dpi="0" rotWithShape="1">
-          <a:blip r:embed="rId2">
+          <a:blip r:embed="rId2" cstate="print">
             <a:lum/>
           </a:blip>
           <a:srcRect/>
@@ -4245,7 +4322,7 @@
     </p:spTree>
     <p:extLst>
       <p:ext uri="{BB962C8B-B14F-4D97-AF65-F5344CB8AC3E}">
-        <p14:creationId xmlns:p14="http://schemas.microsoft.com/office/powerpoint/2010/main" val="1955797"/>
+        <p14:creationId xmlns:p14="http://schemas.microsoft.com/office/powerpoint/2010/main" xmlns="" val="1955797"/>
       </p:ext>
     </p:extLst>
   </p:cSld>
@@ -4268,7 +4345,7 @@
     <p:bg>
       <p:bgPr>
         <a:blipFill dpi="0" rotWithShape="1">
-          <a:blip r:embed="rId2">
+          <a:blip r:embed="rId2" cstate="print">
             <a:lum/>
           </a:blip>
           <a:srcRect/>
@@ -4471,7 +4548,7 @@
     </p:spTree>
     <p:extLst>
       <p:ext uri="{BB962C8B-B14F-4D97-AF65-F5344CB8AC3E}">
-        <p14:creationId xmlns:p14="http://schemas.microsoft.com/office/powerpoint/2010/main" val="3808380142"/>
+        <p14:creationId xmlns:p14="http://schemas.microsoft.com/office/powerpoint/2010/main" xmlns="" val="3808380142"/>
       </p:ext>
     </p:extLst>
   </p:cSld>
@@ -4554,7 +4631,7 @@
     </p:spTree>
     <p:extLst>
       <p:ext uri="{BB962C8B-B14F-4D97-AF65-F5344CB8AC3E}">
-        <p14:creationId xmlns:p14="http://schemas.microsoft.com/office/powerpoint/2010/main" val="2465079779"/>
+        <p14:creationId xmlns:p14="http://schemas.microsoft.com/office/powerpoint/2010/main" xmlns="" val="2465079779"/>
       </p:ext>
     </p:extLst>
   </p:cSld>
